--- a/HomeBerries.pptx
+++ b/HomeBerries.pptx
@@ -5,14 +5,17 @@
     <p:sldMasterId id="2147483648" r:id="rId1"/>
   </p:sldMasterIdLst>
   <p:notesMasterIdLst>
-    <p:notesMasterId r:id="rId5"/>
+    <p:notesMasterId r:id="rId8"/>
   </p:notesMasterIdLst>
   <p:handoutMasterIdLst>
-    <p:handoutMasterId r:id="rId6"/>
+    <p:handoutMasterId r:id="rId9"/>
   </p:handoutMasterIdLst>
   <p:sldIdLst>
     <p:sldId id="256" r:id="rId3"/>
     <p:sldId id="257" r:id="rId4"/>
+    <p:sldId id="258" r:id="rId5"/>
+    <p:sldId id="259" r:id="rId6"/>
+    <p:sldId id="260" r:id="rId7"/>
   </p:sldIdLst>
   <p:sldSz cx="12192000" cy="6858000"/>
   <p:notesSz cx="7103745" cy="10234295"/>
@@ -114,12 +117,12 @@
   <p:extLst>
     <p:ext uri="{EFAFB233-063F-42B5-8137-9DF3F51BA10A}">
       <p15:sldGuideLst xmlns:p15="http://schemas.microsoft.com/office/powerpoint/2012/main">
-        <p15:guide id="1" orient="horz" pos="2157" userDrawn="1">
+        <p15:guide id="1" orient="horz" pos="2174" userDrawn="1">
           <p15:clr>
             <a:srgbClr val="A4A3A4"/>
           </p15:clr>
         </p15:guide>
-        <p15:guide id="2" pos="3840" userDrawn="1">
+        <p15:guide id="2" pos="3839" userDrawn="1">
           <p15:clr>
             <a:srgbClr val="A4A3A4"/>
           </p15:clr>
@@ -3826,7 +3829,7 @@
         </p:nvSpPr>
         <p:spPr>
           <a:xfrm>
-            <a:off x="3390900" y="1837690"/>
+            <a:off x="3241040" y="1837690"/>
             <a:ext cx="8801100" cy="5020310"/>
           </a:xfrm>
         </p:spPr>
@@ -4105,6 +4108,926 @@
           </a:effectLst>
         </p:spPr>
       </p:pic>
+    </p:spTree>
+  </p:cSld>
+  <p:clrMapOvr>
+    <a:masterClrMapping/>
+  </p:clrMapOvr>
+</p:sld>
+</file>
+
+<file path=ppt/slides/slide3.xml><?xml version="1.0" encoding="utf-8"?>
+<p:sld xmlns:a="http://schemas.openxmlformats.org/drawingml/2006/main" xmlns:r="http://schemas.openxmlformats.org/officeDocument/2006/relationships" xmlns:p="http://schemas.openxmlformats.org/presentationml/2006/main">
+  <p:cSld>
+    <p:spTree>
+      <p:nvGrpSpPr>
+        <p:cNvPr id="1" name=""/>
+        <p:cNvGrpSpPr/>
+        <p:nvPr/>
+      </p:nvGrpSpPr>
+      <p:grpSpPr/>
+      <p:pic>
+        <p:nvPicPr>
+          <p:cNvPr id="14" name="Замещающее содержимое 11">
+            <a:hlinkClick r:id="rId1" action="ppaction://hlinksldjump"/>
+          </p:cNvPr>
+          <p:cNvPicPr>
+            <a:picLocks noChangeAspect="1"/>
+          </p:cNvPicPr>
+          <p:nvPr>
+            <p:ph idx="1"/>
+          </p:nvPr>
+        </p:nvPicPr>
+        <p:blipFill>
+          <a:blip r:embed="rId2"/>
+          <a:stretch>
+            <a:fillRect/>
+          </a:stretch>
+        </p:blipFill>
+        <p:spPr>
+          <a:xfrm>
+            <a:off x="-635" y="0"/>
+            <a:ext cx="12192635" cy="6902450"/>
+          </a:xfrm>
+          <a:prstGeom prst="rect">
+            <a:avLst/>
+          </a:prstGeom>
+        </p:spPr>
+      </p:pic>
+      <p:sp>
+        <p:nvSpPr>
+          <p:cNvPr id="15" name="Текстовое поле 14"/>
+          <p:cNvSpPr txBox="1"/>
+          <p:nvPr/>
+        </p:nvSpPr>
+        <p:spPr>
+          <a:xfrm>
+            <a:off x="9257665" y="130810"/>
+            <a:ext cx="789305" cy="322580"/>
+          </a:xfrm>
+          <a:prstGeom prst="rect">
+            <a:avLst/>
+          </a:prstGeom>
+          <a:noFill/>
+        </p:spPr>
+        <p:txBody>
+          <a:bodyPr wrap="square" tIns="0" rtlCol="0">
+            <a:spAutoFit/>
+          </a:bodyPr>
+          <a:p>
+            <a:r>
+              <a:rPr lang="ru-RU" altLang="en-US">
+                <a:solidFill>
+                  <a:schemeClr val="accent2">
+                    <a:alpha val="0"/>
+                  </a:schemeClr>
+                </a:solidFill>
+                <a:hlinkClick r:id="rId1" action="ppaction://hlinksldjump"/>
+              </a:rPr>
+              <a:t>войти</a:t>
+            </a:r>
+            <a:endParaRPr lang="ru-RU" altLang="en-US">
+              <a:solidFill>
+                <a:schemeClr val="accent2">
+                  <a:alpha val="0"/>
+                </a:schemeClr>
+              </a:solidFill>
+              <a:hlinkClick r:id="rId1" action="ppaction://hlinksldjump"/>
+            </a:endParaRPr>
+          </a:p>
+        </p:txBody>
+      </p:sp>
+      <p:pic>
+        <p:nvPicPr>
+          <p:cNvPr id="16" name="Изображение 15">
+            <a:hlinkClick r:id="rId3" action="ppaction://hlinksldjump"/>
+          </p:cNvPr>
+          <p:cNvPicPr>
+            <a:picLocks noChangeAspect="1"/>
+          </p:cNvPicPr>
+          <p:nvPr/>
+        </p:nvPicPr>
+        <p:blipFill>
+          <a:blip r:embed="rId4"/>
+          <a:stretch>
+            <a:fillRect/>
+          </a:stretch>
+        </p:blipFill>
+        <p:spPr>
+          <a:xfrm>
+            <a:off x="11453495" y="6183630"/>
+            <a:ext cx="674370" cy="674370"/>
+          </a:xfrm>
+          <a:prstGeom prst="rect">
+            <a:avLst/>
+          </a:prstGeom>
+        </p:spPr>
+      </p:pic>
+    </p:spTree>
+  </p:cSld>
+  <p:clrMapOvr>
+    <a:masterClrMapping/>
+  </p:clrMapOvr>
+</p:sld>
+</file>
+
+<file path=ppt/slides/slide4.xml><?xml version="1.0" encoding="utf-8"?>
+<p:sld xmlns:a="http://schemas.openxmlformats.org/drawingml/2006/main" xmlns:r="http://schemas.openxmlformats.org/officeDocument/2006/relationships" xmlns:p="http://schemas.openxmlformats.org/presentationml/2006/main">
+  <p:cSld>
+    <p:bg>
+      <p:bgPr>
+        <a:blipFill rotWithShape="1">
+          <a:blip r:embed="rId1">
+            <a:alphaModFix amt="40000"/>
+          </a:blip>
+          <a:stretch>
+            <a:fillRect/>
+          </a:stretch>
+        </a:blipFill>
+        <a:effectLst/>
+      </p:bgPr>
+    </p:bg>
+    <p:spTree>
+      <p:nvGrpSpPr>
+        <p:cNvPr id="1" name=""/>
+        <p:cNvGrpSpPr/>
+        <p:nvPr/>
+      </p:nvGrpSpPr>
+      <p:grpSpPr/>
+      <p:sp>
+        <p:nvSpPr>
+          <p:cNvPr id="2" name="Заголовок 1"/>
+          <p:cNvSpPr>
+            <a:spLocks noGrp="1"/>
+          </p:cNvSpPr>
+          <p:nvPr>
+            <p:ph type="title"/>
+          </p:nvPr>
+        </p:nvSpPr>
+        <p:spPr>
+          <a:xfrm>
+            <a:off x="647700" y="0"/>
+            <a:ext cx="10515600" cy="1064895"/>
+          </a:xfrm>
+        </p:spPr>
+        <p:txBody>
+          <a:bodyPr/>
+          <a:p>
+            <a:pPr algn="ctr"/>
+            <a:r>
+              <a:rPr lang="ru-RU" altLang="en-US">
+                <a:solidFill>
+                  <a:srgbClr val="7E5300"/>
+                </a:solidFill>
+                <a:effectLst>
+                  <a:glow rad="152400">
+                    <a:schemeClr val="accent4">
+                      <a:satMod val="175000"/>
+                      <a:alpha val="67000"/>
+                    </a:schemeClr>
+                  </a:glow>
+                  <a:outerShdw dir="5400000" sx="97000" sy="97000" algn="ctr" rotWithShape="0">
+                    <a:srgbClr val="FF8D41">
+                      <a:alpha val="13000"/>
+                    </a:srgbClr>
+                  </a:outerShdw>
+                </a:effectLst>
+                <a:latin typeface="Georgia Pro Cond Black" panose="02040A06050405020203" charset="0"/>
+                <a:cs typeface="Georgia Pro Cond Black" panose="02040A06050405020203" charset="0"/>
+                <a:sym typeface="+mn-ea"/>
+              </a:rPr>
+              <a:t>Создание и вход в аккаунт</a:t>
+            </a:r>
+            <a:endParaRPr lang="ru-RU" altLang="en-US"/>
+          </a:p>
+        </p:txBody>
+      </p:sp>
+      <p:pic>
+        <p:nvPicPr>
+          <p:cNvPr id="4" name="Замещающее содержимое 3"/>
+          <p:cNvPicPr>
+            <a:picLocks noChangeAspect="1"/>
+          </p:cNvPicPr>
+          <p:nvPr>
+            <p:ph idx="1"/>
+          </p:nvPr>
+        </p:nvPicPr>
+        <p:blipFill>
+          <a:blip r:embed="rId2"/>
+          <a:stretch>
+            <a:fillRect/>
+          </a:stretch>
+        </p:blipFill>
+        <p:spPr>
+          <a:xfrm>
+            <a:off x="838200" y="936625"/>
+            <a:ext cx="10515600" cy="3233420"/>
+          </a:xfrm>
+          <a:prstGeom prst="rect">
+            <a:avLst/>
+          </a:prstGeom>
+        </p:spPr>
+      </p:pic>
+      <p:sp>
+        <p:nvSpPr>
+          <p:cNvPr id="7" name="Текстовое поле 6"/>
+          <p:cNvSpPr txBox="1"/>
+          <p:nvPr/>
+        </p:nvSpPr>
+        <p:spPr>
+          <a:xfrm>
+            <a:off x="576580" y="4258945"/>
+            <a:ext cx="11419205" cy="2534920"/>
+          </a:xfrm>
+          <a:prstGeom prst="rect">
+            <a:avLst/>
+          </a:prstGeom>
+          <a:noFill/>
+        </p:spPr>
+        <p:txBody>
+          <a:bodyPr wrap="square" rtlCol="0">
+            <a:noAutofit/>
+          </a:bodyPr>
+          <a:p>
+            <a:r>
+              <a:rPr lang="ru-RU" altLang="en-US" sz="2000">
+                <a:solidFill>
+                  <a:srgbClr val="7E5300"/>
+                </a:solidFill>
+                <a:effectLst>
+                  <a:glow rad="152400">
+                    <a:schemeClr val="accent4">
+                      <a:satMod val="175000"/>
+                      <a:alpha val="67000"/>
+                    </a:schemeClr>
+                  </a:glow>
+                  <a:outerShdw dir="5400000" sx="97000" sy="97000" algn="ctr" rotWithShape="0">
+                    <a:srgbClr val="FF8D41">
+                      <a:alpha val="13000"/>
+                    </a:srgbClr>
+                  </a:outerShdw>
+                </a:effectLst>
+                <a:latin typeface="Georgia Pro Cond Black" panose="02040A06050405020203" charset="0"/>
+                <a:cs typeface="Georgia Pro Cond Black" panose="02040A06050405020203" charset="0"/>
+                <a:sym typeface="+mn-ea"/>
+              </a:rPr>
+              <a:t>На нашем сайте предусмотрена система аккаунтов для того, чтобы пользователь смог оформлять заказы и выкладывать свои товары. На изображении выше представлена система регистистрации: пользователь вводит свою почту, пароль и имя пользователя. </a:t>
+            </a:r>
+            <a:br>
+              <a:rPr lang="ru-RU" altLang="en-US" sz="2000">
+                <a:solidFill>
+                  <a:srgbClr val="7E5300"/>
+                </a:solidFill>
+                <a:effectLst>
+                  <a:glow rad="152400">
+                    <a:schemeClr val="accent4">
+                      <a:satMod val="175000"/>
+                      <a:alpha val="67000"/>
+                    </a:schemeClr>
+                  </a:glow>
+                  <a:outerShdw dir="5400000" sx="97000" sy="97000" algn="ctr" rotWithShape="0">
+                    <a:srgbClr val="FF8D41">
+                      <a:alpha val="13000"/>
+                    </a:srgbClr>
+                  </a:outerShdw>
+                </a:effectLst>
+                <a:latin typeface="Georgia Pro Cond Black" panose="02040A06050405020203" charset="0"/>
+                <a:cs typeface="Georgia Pro Cond Black" panose="02040A06050405020203" charset="0"/>
+                <a:sym typeface="+mn-ea"/>
+              </a:rPr>
+            </a:br>
+            <a:endParaRPr lang="ru-RU" altLang="en-US" sz="2000">
+              <a:solidFill>
+                <a:srgbClr val="7E5300"/>
+              </a:solidFill>
+              <a:effectLst>
+                <a:glow rad="152400">
+                  <a:schemeClr val="accent4">
+                    <a:satMod val="175000"/>
+                    <a:alpha val="67000"/>
+                  </a:schemeClr>
+                </a:glow>
+                <a:outerShdw dir="5400000" sx="97000" sy="97000" algn="ctr" rotWithShape="0">
+                  <a:srgbClr val="FF8D41">
+                    <a:alpha val="13000"/>
+                  </a:srgbClr>
+                </a:outerShdw>
+              </a:effectLst>
+              <a:latin typeface="Georgia Pro Cond Black" panose="02040A06050405020203" charset="0"/>
+              <a:cs typeface="Georgia Pro Cond Black" panose="02040A06050405020203" charset="0"/>
+              <a:sym typeface="+mn-ea"/>
+            </a:endParaRPr>
+          </a:p>
+          <a:p>
+            <a:r>
+              <a:rPr lang="ru-RU" altLang="en-US" sz="2000">
+                <a:solidFill>
+                  <a:srgbClr val="7E5300"/>
+                </a:solidFill>
+                <a:effectLst>
+                  <a:glow rad="152400">
+                    <a:schemeClr val="accent4">
+                      <a:satMod val="175000"/>
+                      <a:alpha val="67000"/>
+                    </a:schemeClr>
+                  </a:glow>
+                  <a:outerShdw dir="5400000" sx="97000" sy="97000" algn="ctr" rotWithShape="0">
+                    <a:srgbClr val="FF8D41">
+                      <a:alpha val="13000"/>
+                    </a:srgbClr>
+                  </a:outerShdw>
+                </a:effectLst>
+                <a:latin typeface="Georgia Pro Cond Black" panose="02040A06050405020203" charset="0"/>
+                <a:cs typeface="Georgia Pro Cond Black" panose="02040A06050405020203" charset="0"/>
+                <a:sym typeface="+mn-ea"/>
+              </a:rPr>
+              <a:t>Войдя в свой аккаунт, пользователь всегда сможет </a:t>
+            </a:r>
+            <a:endParaRPr lang="ru-RU" altLang="en-US" sz="2000">
+              <a:solidFill>
+                <a:srgbClr val="7E5300"/>
+              </a:solidFill>
+              <a:effectLst>
+                <a:glow rad="152400">
+                  <a:schemeClr val="accent4">
+                    <a:satMod val="175000"/>
+                    <a:alpha val="67000"/>
+                  </a:schemeClr>
+                </a:glow>
+                <a:outerShdw dir="5400000" sx="97000" sy="97000" algn="ctr" rotWithShape="0">
+                  <a:srgbClr val="FF8D41">
+                    <a:alpha val="13000"/>
+                  </a:srgbClr>
+                </a:outerShdw>
+              </a:effectLst>
+              <a:latin typeface="Georgia Pro Cond Black" panose="02040A06050405020203" charset="0"/>
+              <a:cs typeface="Georgia Pro Cond Black" panose="02040A06050405020203" charset="0"/>
+              <a:sym typeface="+mn-ea"/>
+            </a:endParaRPr>
+          </a:p>
+          <a:p>
+            <a:r>
+              <a:rPr lang="ru-RU" altLang="en-US" sz="2000">
+                <a:solidFill>
+                  <a:srgbClr val="7E5300"/>
+                </a:solidFill>
+                <a:effectLst>
+                  <a:glow rad="152400">
+                    <a:schemeClr val="accent4">
+                      <a:satMod val="175000"/>
+                      <a:alpha val="67000"/>
+                    </a:schemeClr>
+                  </a:glow>
+                  <a:outerShdw dir="5400000" sx="97000" sy="97000" algn="ctr" rotWithShape="0">
+                    <a:srgbClr val="FF8D41">
+                      <a:alpha val="13000"/>
+                    </a:srgbClr>
+                  </a:outerShdw>
+                </a:effectLst>
+                <a:latin typeface="Georgia Pro Cond Black" panose="02040A06050405020203" charset="0"/>
+                <a:cs typeface="Georgia Pro Cond Black" panose="02040A06050405020203" charset="0"/>
+                <a:sym typeface="+mn-ea"/>
+              </a:rPr>
+              <a:t>выйти из него и перед ним снова будет возможность </a:t>
+            </a:r>
+            <a:endParaRPr lang="ru-RU" altLang="en-US" sz="2000">
+              <a:solidFill>
+                <a:srgbClr val="7E5300"/>
+              </a:solidFill>
+              <a:effectLst>
+                <a:glow rad="152400">
+                  <a:schemeClr val="accent4">
+                    <a:satMod val="175000"/>
+                    <a:alpha val="67000"/>
+                  </a:schemeClr>
+                </a:glow>
+                <a:outerShdw dir="5400000" sx="97000" sy="97000" algn="ctr" rotWithShape="0">
+                  <a:srgbClr val="FF8D41">
+                    <a:alpha val="13000"/>
+                  </a:srgbClr>
+                </a:outerShdw>
+              </a:effectLst>
+              <a:latin typeface="Georgia Pro Cond Black" panose="02040A06050405020203" charset="0"/>
+              <a:cs typeface="Georgia Pro Cond Black" panose="02040A06050405020203" charset="0"/>
+              <a:sym typeface="+mn-ea"/>
+            </a:endParaRPr>
+          </a:p>
+          <a:p>
+            <a:r>
+              <a:rPr lang="ru-RU" altLang="en-US" sz="2000">
+                <a:solidFill>
+                  <a:srgbClr val="7E5300"/>
+                </a:solidFill>
+                <a:effectLst>
+                  <a:glow rad="152400">
+                    <a:schemeClr val="accent4">
+                      <a:satMod val="175000"/>
+                      <a:alpha val="67000"/>
+                    </a:schemeClr>
+                  </a:glow>
+                  <a:outerShdw dir="5400000" sx="97000" sy="97000" algn="ctr" rotWithShape="0">
+                    <a:srgbClr val="FF8D41">
+                      <a:alpha val="13000"/>
+                    </a:srgbClr>
+                  </a:outerShdw>
+                </a:effectLst>
+                <a:latin typeface="Georgia Pro Cond Black" panose="02040A06050405020203" charset="0"/>
+                <a:cs typeface="Georgia Pro Cond Black" panose="02040A06050405020203" charset="0"/>
+                <a:sym typeface="+mn-ea"/>
+              </a:rPr>
+              <a:t>войти или зарегестрироваться.</a:t>
+            </a:r>
+            <a:endParaRPr lang="ru-RU" altLang="en-US" sz="2000"/>
+          </a:p>
+        </p:txBody>
+      </p:sp>
+      <p:pic>
+        <p:nvPicPr>
+          <p:cNvPr id="8" name="Изображение 7"/>
+          <p:cNvPicPr>
+            <a:picLocks noChangeAspect="1"/>
+          </p:cNvPicPr>
+          <p:nvPr/>
+        </p:nvPicPr>
+        <p:blipFill>
+          <a:blip r:embed="rId3"/>
+          <a:stretch>
+            <a:fillRect/>
+          </a:stretch>
+        </p:blipFill>
+        <p:spPr>
+          <a:xfrm>
+            <a:off x="8018780" y="5820410"/>
+            <a:ext cx="3144520" cy="710565"/>
+          </a:xfrm>
+          <a:prstGeom prst="rect">
+            <a:avLst/>
+          </a:prstGeom>
+        </p:spPr>
+      </p:pic>
+      <p:sp>
+        <p:nvSpPr>
+          <p:cNvPr id="9" name="Текстовое поле 8"/>
+          <p:cNvSpPr txBox="1"/>
+          <p:nvPr/>
+        </p:nvSpPr>
+        <p:spPr>
+          <a:xfrm>
+            <a:off x="10693400" y="327025"/>
+            <a:ext cx="1013460" cy="460375"/>
+          </a:xfrm>
+          <a:prstGeom prst="rect">
+            <a:avLst/>
+          </a:prstGeom>
+          <a:noFill/>
+        </p:spPr>
+        <p:txBody>
+          <a:bodyPr wrap="square" rtlCol="0">
+            <a:spAutoFit/>
+          </a:bodyPr>
+          <a:p>
+            <a:r>
+              <a:rPr lang="ru-RU" altLang="en-US" sz="2400" b="1">
+                <a:solidFill>
+                  <a:schemeClr val="accent2"/>
+                </a:solidFill>
+                <a:hlinkClick r:id="rId4" action="ppaction://hlinksldjump"/>
+              </a:rPr>
+              <a:t>Назад</a:t>
+            </a:r>
+            <a:endParaRPr lang="ru-RU" altLang="en-US" sz="2400" b="1">
+              <a:solidFill>
+                <a:schemeClr val="accent2"/>
+              </a:solidFill>
+            </a:endParaRPr>
+          </a:p>
+        </p:txBody>
+      </p:sp>
+    </p:spTree>
+  </p:cSld>
+  <p:clrMapOvr>
+    <a:masterClrMapping/>
+  </p:clrMapOvr>
+</p:sld>
+</file>
+
+<file path=ppt/slides/slide5.xml><?xml version="1.0" encoding="utf-8"?>
+<p:sld xmlns:a="http://schemas.openxmlformats.org/drawingml/2006/main" xmlns:r="http://schemas.openxmlformats.org/officeDocument/2006/relationships" xmlns:p="http://schemas.openxmlformats.org/presentationml/2006/main">
+  <p:cSld>
+    <p:bg>
+      <p:bgPr>
+        <a:blipFill rotWithShape="1">
+          <a:blip r:embed="rId1">
+            <a:alphaModFix amt="23000"/>
+          </a:blip>
+          <a:stretch>
+            <a:fillRect/>
+          </a:stretch>
+        </a:blipFill>
+        <a:effectLst/>
+      </p:bgPr>
+    </p:bg>
+    <p:spTree>
+      <p:nvGrpSpPr>
+        <p:cNvPr id="1" name=""/>
+        <p:cNvGrpSpPr/>
+        <p:nvPr/>
+      </p:nvGrpSpPr>
+      <p:grpSpPr/>
+      <p:sp>
+        <p:nvSpPr>
+          <p:cNvPr id="2" name="Заголовок 1"/>
+          <p:cNvSpPr>
+            <a:spLocks noGrp="1"/>
+          </p:cNvSpPr>
+          <p:nvPr>
+            <p:ph type="title"/>
+          </p:nvPr>
+        </p:nvSpPr>
+        <p:spPr>
+          <a:xfrm>
+            <a:off x="647700" y="0"/>
+            <a:ext cx="10515600" cy="1325563"/>
+          </a:xfrm>
+        </p:spPr>
+        <p:txBody>
+          <a:bodyPr/>
+          <a:p>
+            <a:pPr algn="ctr"/>
+            <a:r>
+              <a:rPr lang="en-US" altLang="ru-RU">
+                <a:solidFill>
+                  <a:srgbClr val="7E5300"/>
+                </a:solidFill>
+                <a:effectLst>
+                  <a:glow rad="152400">
+                    <a:schemeClr val="accent4">
+                      <a:satMod val="175000"/>
+                      <a:alpha val="67000"/>
+                    </a:schemeClr>
+                  </a:glow>
+                  <a:outerShdw dir="5400000" sx="97000" sy="97000" algn="ctr" rotWithShape="0">
+                    <a:srgbClr val="FF8D41">
+                      <a:alpha val="13000"/>
+                    </a:srgbClr>
+                  </a:outerShdw>
+                </a:effectLst>
+                <a:latin typeface="Georgia Pro Cond Black" panose="02040A06050405020203" charset="0"/>
+                <a:cs typeface="Georgia Pro Cond Black" panose="02040A06050405020203" charset="0"/>
+                <a:sym typeface="+mn-ea"/>
+              </a:rPr>
+              <a:t>Telegram - </a:t>
+            </a:r>
+            <a:r>
+              <a:rPr lang="ru-RU" altLang="ru-RU">
+                <a:solidFill>
+                  <a:srgbClr val="7E5300"/>
+                </a:solidFill>
+                <a:effectLst>
+                  <a:glow rad="152400">
+                    <a:schemeClr val="accent4">
+                      <a:satMod val="175000"/>
+                      <a:alpha val="67000"/>
+                    </a:schemeClr>
+                  </a:glow>
+                  <a:outerShdw dir="5400000" sx="97000" sy="97000" algn="ctr" rotWithShape="0">
+                    <a:srgbClr val="FF8D41">
+                      <a:alpha val="13000"/>
+                    </a:srgbClr>
+                  </a:outerShdw>
+                </a:effectLst>
+                <a:latin typeface="Georgia Pro Cond Black" panose="02040A06050405020203" charset="0"/>
+                <a:cs typeface="Georgia Pro Cond Black" panose="02040A06050405020203" charset="0"/>
+                <a:sym typeface="+mn-ea"/>
+              </a:rPr>
+              <a:t>бот</a:t>
+            </a:r>
+            <a:endParaRPr lang="ru-RU" altLang="ru-RU">
+              <a:solidFill>
+                <a:srgbClr val="7E5300"/>
+              </a:solidFill>
+              <a:effectLst>
+                <a:glow rad="152400">
+                  <a:schemeClr val="accent4">
+                    <a:satMod val="175000"/>
+                    <a:alpha val="67000"/>
+                  </a:schemeClr>
+                </a:glow>
+                <a:outerShdw dir="5400000" sx="97000" sy="97000" algn="ctr" rotWithShape="0">
+                  <a:srgbClr val="FF8D41">
+                    <a:alpha val="13000"/>
+                  </a:srgbClr>
+                </a:outerShdw>
+              </a:effectLst>
+              <a:latin typeface="Georgia Pro Cond Black" panose="02040A06050405020203" charset="0"/>
+              <a:cs typeface="Georgia Pro Cond Black" panose="02040A06050405020203" charset="0"/>
+              <a:sym typeface="+mn-ea"/>
+            </a:endParaRPr>
+          </a:p>
+        </p:txBody>
+      </p:sp>
+      <p:pic>
+        <p:nvPicPr>
+          <p:cNvPr id="4" name="Замещающее содержимое 3"/>
+          <p:cNvPicPr>
+            <a:picLocks noChangeAspect="1"/>
+          </p:cNvPicPr>
+          <p:nvPr>
+            <p:ph idx="1"/>
+          </p:nvPr>
+        </p:nvPicPr>
+        <p:blipFill>
+          <a:blip r:embed="rId2"/>
+          <a:stretch>
+            <a:fillRect/>
+          </a:stretch>
+        </p:blipFill>
+        <p:spPr>
+          <a:xfrm>
+            <a:off x="483235" y="1165225"/>
+            <a:ext cx="3735705" cy="5521960"/>
+          </a:xfrm>
+          <a:prstGeom prst="rect">
+            <a:avLst/>
+          </a:prstGeom>
+        </p:spPr>
+      </p:pic>
+      <p:sp>
+        <p:nvSpPr>
+          <p:cNvPr id="5" name="Текстовое поле 4"/>
+          <p:cNvSpPr txBox="1"/>
+          <p:nvPr/>
+        </p:nvSpPr>
+        <p:spPr>
+          <a:xfrm>
+            <a:off x="4655185" y="1165225"/>
+            <a:ext cx="7221855" cy="5521960"/>
+          </a:xfrm>
+          <a:prstGeom prst="rect">
+            <a:avLst/>
+          </a:prstGeom>
+          <a:noFill/>
+        </p:spPr>
+        <p:txBody>
+          <a:bodyPr wrap="square" rtlCol="0">
+            <a:noAutofit/>
+          </a:bodyPr>
+          <a:p>
+            <a:r>
+              <a:rPr lang="ru-RU" altLang="en-US" sz="2800">
+                <a:solidFill>
+                  <a:srgbClr val="7E5300"/>
+                </a:solidFill>
+                <a:effectLst>
+                  <a:glow rad="152400">
+                    <a:schemeClr val="accent4">
+                      <a:satMod val="175000"/>
+                      <a:alpha val="67000"/>
+                    </a:schemeClr>
+                  </a:glow>
+                  <a:outerShdw dir="5400000" sx="97000" sy="97000" algn="ctr" rotWithShape="0">
+                    <a:srgbClr val="FF8D41">
+                      <a:alpha val="13000"/>
+                    </a:srgbClr>
+                  </a:outerShdw>
+                </a:effectLst>
+                <a:latin typeface="Georgia Pro Cond Black" panose="02040A06050405020203" charset="0"/>
+                <a:cs typeface="Georgia Pro Cond Black" panose="02040A06050405020203" charset="0"/>
+                <a:sym typeface="+mn-ea"/>
+              </a:rPr>
+              <a:t>Для нашего сайта также предусмотрена техническая поддержка в виде </a:t>
+            </a:r>
+            <a:r>
+              <a:rPr lang="en-US" altLang="ru-RU" sz="2800">
+                <a:solidFill>
+                  <a:srgbClr val="7E5300"/>
+                </a:solidFill>
+                <a:effectLst>
+                  <a:glow rad="152400">
+                    <a:schemeClr val="accent4">
+                      <a:satMod val="175000"/>
+                      <a:alpha val="67000"/>
+                    </a:schemeClr>
+                  </a:glow>
+                  <a:outerShdw dir="5400000" sx="97000" sy="97000" algn="ctr" rotWithShape="0">
+                    <a:srgbClr val="FF8D41">
+                      <a:alpha val="13000"/>
+                    </a:srgbClr>
+                  </a:outerShdw>
+                </a:effectLst>
+                <a:latin typeface="Georgia Pro Cond Black" panose="02040A06050405020203" charset="0"/>
+                <a:cs typeface="Georgia Pro Cond Black" panose="02040A06050405020203" charset="0"/>
+                <a:sym typeface="+mn-ea"/>
+              </a:rPr>
+              <a:t>Telegram</a:t>
+            </a:r>
+            <a:r>
+              <a:rPr lang="ru-RU" altLang="ru-RU" sz="2800">
+                <a:solidFill>
+                  <a:srgbClr val="7E5300"/>
+                </a:solidFill>
+                <a:effectLst>
+                  <a:glow rad="152400">
+                    <a:schemeClr val="accent4">
+                      <a:satMod val="175000"/>
+                      <a:alpha val="67000"/>
+                    </a:schemeClr>
+                  </a:glow>
+                  <a:outerShdw dir="5400000" sx="97000" sy="97000" algn="ctr" rotWithShape="0">
+                    <a:srgbClr val="FF8D41">
+                      <a:alpha val="13000"/>
+                    </a:srgbClr>
+                  </a:outerShdw>
+                </a:effectLst>
+                <a:latin typeface="Georgia Pro Cond Black" panose="02040A06050405020203" charset="0"/>
+                <a:cs typeface="Georgia Pro Cond Black" panose="02040A06050405020203" charset="0"/>
+                <a:sym typeface="+mn-ea"/>
+              </a:rPr>
+              <a:t> - бота. </a:t>
+            </a:r>
+            <a:r>
+              <a:rPr lang="ru-RU" altLang="en-US" sz="2800">
+                <a:solidFill>
+                  <a:srgbClr val="7E5300"/>
+                </a:solidFill>
+                <a:effectLst>
+                  <a:glow rad="152400">
+                    <a:schemeClr val="accent4">
+                      <a:satMod val="175000"/>
+                      <a:alpha val="67000"/>
+                    </a:schemeClr>
+                  </a:glow>
+                  <a:outerShdw dir="5400000" sx="97000" sy="97000" algn="ctr" rotWithShape="0">
+                    <a:srgbClr val="FF8D41">
+                      <a:alpha val="13000"/>
+                    </a:srgbClr>
+                  </a:outerShdw>
+                </a:effectLst>
+                <a:latin typeface="Georgia Pro Cond Black" panose="02040A06050405020203" charset="0"/>
+                <a:cs typeface="Georgia Pro Cond Black" panose="02040A06050405020203" charset="0"/>
+                <a:sym typeface="+mn-ea"/>
+              </a:rPr>
+              <a:t> У него вы можете подробнее узнать про наш сайт, обратиться с проблемами заказа, например, долгой доставкой и оставить отзыв, также посмотрев другие.</a:t>
+            </a:r>
+            <a:br>
+              <a:rPr lang="ru-RU" altLang="en-US" sz="2800">
+                <a:solidFill>
+                  <a:srgbClr val="7E5300"/>
+                </a:solidFill>
+                <a:effectLst>
+                  <a:glow rad="152400">
+                    <a:schemeClr val="accent4">
+                      <a:satMod val="175000"/>
+                      <a:alpha val="67000"/>
+                    </a:schemeClr>
+                  </a:glow>
+                  <a:outerShdw dir="5400000" sx="97000" sy="97000" algn="ctr" rotWithShape="0">
+                    <a:srgbClr val="FF8D41">
+                      <a:alpha val="13000"/>
+                    </a:srgbClr>
+                  </a:outerShdw>
+                </a:effectLst>
+                <a:latin typeface="Georgia Pro Cond Black" panose="02040A06050405020203" charset="0"/>
+                <a:cs typeface="Georgia Pro Cond Black" panose="02040A06050405020203" charset="0"/>
+                <a:sym typeface="+mn-ea"/>
+              </a:rPr>
+            </a:br>
+            <a:br>
+              <a:rPr lang="ru-RU" altLang="en-US" sz="2800">
+                <a:solidFill>
+                  <a:srgbClr val="7E5300"/>
+                </a:solidFill>
+                <a:effectLst>
+                  <a:glow rad="152400">
+                    <a:schemeClr val="accent4">
+                      <a:satMod val="175000"/>
+                      <a:alpha val="67000"/>
+                    </a:schemeClr>
+                  </a:glow>
+                  <a:outerShdw dir="5400000" sx="97000" sy="97000" algn="ctr" rotWithShape="0">
+                    <a:srgbClr val="FF8D41">
+                      <a:alpha val="13000"/>
+                    </a:srgbClr>
+                  </a:outerShdw>
+                </a:effectLst>
+                <a:latin typeface="Georgia Pro Cond Black" panose="02040A06050405020203" charset="0"/>
+                <a:cs typeface="Georgia Pro Cond Black" panose="02040A06050405020203" charset="0"/>
+                <a:sym typeface="+mn-ea"/>
+              </a:rPr>
+            </a:br>
+            <a:r>
+              <a:rPr lang="ru-RU" altLang="en-US" sz="2800">
+                <a:solidFill>
+                  <a:srgbClr val="7E5300"/>
+                </a:solidFill>
+                <a:effectLst>
+                  <a:glow rad="152400">
+                    <a:schemeClr val="accent4">
+                      <a:satMod val="175000"/>
+                      <a:alpha val="67000"/>
+                    </a:schemeClr>
+                  </a:glow>
+                  <a:outerShdw dir="5400000" sx="97000" sy="97000" algn="ctr" rotWithShape="0">
+                    <a:srgbClr val="FF8D41">
+                      <a:alpha val="13000"/>
+                    </a:srgbClr>
+                  </a:outerShdw>
+                </a:effectLst>
+                <a:latin typeface="Georgia Pro Cond Black" panose="02040A06050405020203" charset="0"/>
+                <a:cs typeface="Georgia Pro Cond Black" panose="02040A06050405020203" charset="0"/>
+                <a:sym typeface="+mn-ea"/>
+              </a:rPr>
+              <a:t>Найти бота можно внизу сайта или по Имени пользователя </a:t>
+            </a:r>
+            <a:r>
+              <a:rPr lang="en-US" altLang="ru-RU" sz="2800">
+                <a:solidFill>
+                  <a:srgbClr val="7E5300"/>
+                </a:solidFill>
+                <a:effectLst>
+                  <a:glow rad="152400">
+                    <a:schemeClr val="accent4">
+                      <a:satMod val="175000"/>
+                      <a:alpha val="67000"/>
+                    </a:schemeClr>
+                  </a:glow>
+                  <a:outerShdw dir="5400000" sx="97000" sy="97000" algn="ctr" rotWithShape="0">
+                    <a:srgbClr val="FF8D41">
+                      <a:alpha val="13000"/>
+                    </a:srgbClr>
+                  </a:outerShdw>
+                </a:effectLst>
+                <a:latin typeface="Georgia Pro Cond Black" panose="02040A06050405020203" charset="0"/>
+                <a:cs typeface="Georgia Pro Cond Black" panose="02040A06050405020203" charset="0"/>
+                <a:sym typeface="+mn-ea"/>
+              </a:rPr>
+              <a:t>@HomeBerries_TSBot</a:t>
+            </a:r>
+            <a:endParaRPr lang="en-US" altLang="ru-RU" sz="2800">
+              <a:solidFill>
+                <a:srgbClr val="7E5300"/>
+              </a:solidFill>
+              <a:effectLst>
+                <a:glow rad="152400">
+                  <a:schemeClr val="accent4">
+                    <a:satMod val="175000"/>
+                    <a:alpha val="67000"/>
+                  </a:schemeClr>
+                </a:glow>
+                <a:outerShdw dir="5400000" sx="97000" sy="97000" algn="ctr" rotWithShape="0">
+                  <a:srgbClr val="FF8D41">
+                    <a:alpha val="13000"/>
+                  </a:srgbClr>
+                </a:outerShdw>
+              </a:effectLst>
+              <a:latin typeface="Georgia Pro Cond Black" panose="02040A06050405020203" charset="0"/>
+              <a:cs typeface="Georgia Pro Cond Black" panose="02040A06050405020203" charset="0"/>
+              <a:sym typeface="+mn-ea"/>
+            </a:endParaRPr>
+          </a:p>
+        </p:txBody>
+      </p:sp>
+      <p:sp>
+        <p:nvSpPr>
+          <p:cNvPr id="6" name="Текстовое поле 5"/>
+          <p:cNvSpPr txBox="1"/>
+          <p:nvPr/>
+        </p:nvSpPr>
+        <p:spPr>
+          <a:xfrm>
+            <a:off x="10391775" y="432435"/>
+            <a:ext cx="1353820" cy="460375"/>
+          </a:xfrm>
+          <a:prstGeom prst="rect">
+            <a:avLst/>
+          </a:prstGeom>
+          <a:noFill/>
+        </p:spPr>
+        <p:txBody>
+          <a:bodyPr wrap="square" rtlCol="0" anchor="t">
+            <a:spAutoFit/>
+          </a:bodyPr>
+          <a:p>
+            <a:r>
+              <a:rPr lang="ru-RU" altLang="en-US" sz="2400" b="1">
+                <a:solidFill>
+                  <a:schemeClr val="accent2"/>
+                </a:solidFill>
+                <a:sym typeface="+mn-ea"/>
+                <a:hlinkClick r:id="rId3" action="ppaction://hlinksldjump"/>
+              </a:rPr>
+              <a:t>Назад</a:t>
+            </a:r>
+            <a:endParaRPr lang="ru-RU" altLang="en-US" sz="2400" b="1">
+              <a:solidFill>
+                <a:schemeClr val="accent2"/>
+              </a:solidFill>
+              <a:sym typeface="+mn-ea"/>
+              <a:hlinkClick r:id="rId3" action="ppaction://hlinksldjump"/>
+            </a:endParaRPr>
+          </a:p>
+        </p:txBody>
+      </p:sp>
     </p:spTree>
   </p:cSld>
   <p:clrMapOvr>

--- a/HomeBerries.pptx
+++ b/HomeBerries.pptx
@@ -4302,32 +4302,6 @@
           </a:p>
         </p:txBody>
       </p:sp>
-      <p:pic>
-        <p:nvPicPr>
-          <p:cNvPr id="4" name="Замещающее содержимое 3"/>
-          <p:cNvPicPr>
-            <a:picLocks noChangeAspect="1"/>
-          </p:cNvPicPr>
-          <p:nvPr>
-            <p:ph idx="1"/>
-          </p:nvPr>
-        </p:nvPicPr>
-        <p:blipFill>
-          <a:blip r:embed="rId2"/>
-          <a:stretch>
-            <a:fillRect/>
-          </a:stretch>
-        </p:blipFill>
-        <p:spPr>
-          <a:xfrm>
-            <a:off x="838200" y="936625"/>
-            <a:ext cx="10515600" cy="3233420"/>
-          </a:xfrm>
-          <a:prstGeom prst="rect">
-            <a:avLst/>
-          </a:prstGeom>
-        </p:spPr>
-      </p:pic>
       <p:sp>
         <p:nvSpPr>
           <p:cNvPr id="7" name="Текстовое поле 6"/>
@@ -4550,7 +4524,7 @@
           <p:nvPr/>
         </p:nvPicPr>
         <p:blipFill>
-          <a:blip r:embed="rId3"/>
+          <a:blip r:embed="rId2"/>
           <a:stretch>
             <a:fillRect/>
           </a:stretch>
@@ -4591,7 +4565,7 @@
                 <a:solidFill>
                   <a:schemeClr val="accent2"/>
                 </a:solidFill>
-                <a:hlinkClick r:id="rId4" action="ppaction://hlinksldjump"/>
+                <a:hlinkClick r:id="rId3" action="ppaction://hlinksldjump"/>
               </a:rPr>
               <a:t>Назад</a:t>
             </a:r>
@@ -4603,6 +4577,32 @@
           </a:p>
         </p:txBody>
       </p:sp>
+      <p:pic>
+        <p:nvPicPr>
+          <p:cNvPr id="5" name="Замещающее содержимое 4"/>
+          <p:cNvPicPr>
+            <a:picLocks noChangeAspect="1"/>
+          </p:cNvPicPr>
+          <p:nvPr>
+            <p:ph idx="1"/>
+          </p:nvPr>
+        </p:nvPicPr>
+        <p:blipFill>
+          <a:blip r:embed="rId4"/>
+          <a:stretch>
+            <a:fillRect/>
+          </a:stretch>
+        </p:blipFill>
+        <p:spPr>
+          <a:xfrm>
+            <a:off x="1699895" y="916940"/>
+            <a:ext cx="8411210" cy="3342005"/>
+          </a:xfrm>
+          <a:prstGeom prst="rect">
+            <a:avLst/>
+          </a:prstGeom>
+        </p:spPr>
+      </p:pic>
     </p:spTree>
   </p:cSld>
   <p:clrMapOvr>
